--- a/AisecConf/Doc/AISEC-2025-PRESENTATION-TEMPLATE.pptx
+++ b/AisecConf/Doc/AISEC-2025-PRESENTATION-TEMPLATE.pptx
@@ -5,7 +5,7 @@
     <p:sldMasterId id="2147483684" r:id="rId1"/>
   </p:sldMasterIdLst>
   <p:notesMasterIdLst>
-    <p:notesMasterId r:id="rId16"/>
+    <p:notesMasterId r:id="rId15"/>
   </p:notesMasterIdLst>
   <p:sldIdLst>
     <p:sldId id="256" r:id="rId2"/>
@@ -21,7 +21,6 @@
     <p:sldId id="279" r:id="rId12"/>
     <p:sldId id="280" r:id="rId13"/>
     <p:sldId id="281" r:id="rId14"/>
-    <p:sldId id="268" r:id="rId15"/>
   </p:sldIdLst>
   <p:sldSz cx="12192000" cy="6858000"/>
   <p:notesSz cx="6858000" cy="9144000"/>
@@ -210,7 +209,7 @@
           <a:p>
             <a:fld id="{AAA79257-4801-DE47-B0D9-E333B0FBB0A1}" type="datetimeFigureOut">
               <a:rPr lang="en-US" smtClean="0"/>
-              <a:t>1/23/2025</a:t>
+              <a:t>2/12/2025</a:t>
             </a:fld>
             <a:endParaRPr lang="en-US"/>
           </a:p>
@@ -4233,10 +4232,10 @@
       </p:sp>
       <p:pic>
         <p:nvPicPr>
-          <p:cNvPr id="5" name="Image 4">
-            <a:extLst>
-              <a:ext uri="{FF2B5EF4-FFF2-40B4-BE49-F238E27FC236}">
-                <a16:creationId xmlns:a16="http://schemas.microsoft.com/office/drawing/2014/main" id="{9C59AAE9-5157-7A1C-454A-C7C29A707451}"/>
+          <p:cNvPr id="8" name="Image 7">
+            <a:extLst>
+              <a:ext uri="{FF2B5EF4-FFF2-40B4-BE49-F238E27FC236}">
+                <a16:creationId xmlns:a16="http://schemas.microsoft.com/office/drawing/2014/main" id="{DCF3B8F2-7FB8-436D-00E7-8B51A0D379D5}"/>
               </a:ext>
             </a:extLst>
           </p:cNvPr>
@@ -4247,14 +4246,13 @@
         </p:nvPicPr>
         <p:blipFill>
           <a:blip r:embed="rId2"/>
-          <a:stretch>
-            <a:fillRect/>
-          </a:stretch>
+          <a:srcRect l="4054" t="21941" r="4740" b="7700"/>
+          <a:stretch/>
         </p:blipFill>
         <p:spPr>
           <a:xfrm>
-            <a:off x="5347214" y="119063"/>
-            <a:ext cx="1497572" cy="1003300"/>
+            <a:off x="10019064" y="304123"/>
+            <a:ext cx="2172936" cy="699178"/>
           </a:xfrm>
           <a:prstGeom prst="rect">
             <a:avLst/>
@@ -4263,10 +4261,10 @@
       </p:pic>
       <p:pic>
         <p:nvPicPr>
-          <p:cNvPr id="8" name="Image 7">
-            <a:extLst>
-              <a:ext uri="{FF2B5EF4-FFF2-40B4-BE49-F238E27FC236}">
-                <a16:creationId xmlns:a16="http://schemas.microsoft.com/office/drawing/2014/main" id="{DCF3B8F2-7FB8-436D-00E7-8B51A0D379D5}"/>
+          <p:cNvPr id="6" name="Image 5">
+            <a:extLst>
+              <a:ext uri="{FF2B5EF4-FFF2-40B4-BE49-F238E27FC236}">
+                <a16:creationId xmlns:a16="http://schemas.microsoft.com/office/drawing/2014/main" id="{5003868F-F8FE-B077-D57D-A636489C6456}"/>
               </a:ext>
             </a:extLst>
           </p:cNvPr>
@@ -4277,35 +4275,6 @@
         </p:nvPicPr>
         <p:blipFill>
           <a:blip r:embed="rId3"/>
-          <a:srcRect l="4054" t="21941" r="4740" b="7700"/>
-          <a:stretch/>
-        </p:blipFill>
-        <p:spPr>
-          <a:xfrm>
-            <a:off x="10019064" y="304123"/>
-            <a:ext cx="2172936" cy="699178"/>
-          </a:xfrm>
-          <a:prstGeom prst="rect">
-            <a:avLst/>
-          </a:prstGeom>
-        </p:spPr>
-      </p:pic>
-      <p:pic>
-        <p:nvPicPr>
-          <p:cNvPr id="6" name="Image 5">
-            <a:extLst>
-              <a:ext uri="{FF2B5EF4-FFF2-40B4-BE49-F238E27FC236}">
-                <a16:creationId xmlns:a16="http://schemas.microsoft.com/office/drawing/2014/main" id="{5003868F-F8FE-B077-D57D-A636489C6456}"/>
-              </a:ext>
-            </a:extLst>
-          </p:cNvPr>
-          <p:cNvPicPr>
-            <a:picLocks noChangeAspect="1"/>
-          </p:cNvPicPr>
-          <p:nvPr/>
-        </p:nvPicPr>
-        <p:blipFill>
-          <a:blip r:embed="rId4"/>
           <a:stretch>
             <a:fillRect/>
           </a:stretch>
@@ -4422,10 +4391,10 @@
       </p:sp>
       <p:pic>
         <p:nvPicPr>
-          <p:cNvPr id="5" name="Image 4">
-            <a:extLst>
-              <a:ext uri="{FF2B5EF4-FFF2-40B4-BE49-F238E27FC236}">
-                <a16:creationId xmlns:a16="http://schemas.microsoft.com/office/drawing/2014/main" id="{E52DD171-36EE-82FC-09C8-A271DE82C93D}"/>
+          <p:cNvPr id="8" name="Image 7">
+            <a:extLst>
+              <a:ext uri="{FF2B5EF4-FFF2-40B4-BE49-F238E27FC236}">
+                <a16:creationId xmlns:a16="http://schemas.microsoft.com/office/drawing/2014/main" id="{277D7FD5-BAE1-6ED7-AF9A-2A86A4E113B0}"/>
               </a:ext>
             </a:extLst>
           </p:cNvPr>
@@ -4436,14 +4405,13 @@
         </p:nvPicPr>
         <p:blipFill>
           <a:blip r:embed="rId2"/>
-          <a:stretch>
-            <a:fillRect/>
-          </a:stretch>
+          <a:srcRect l="4054" t="21941" r="4740" b="7700"/>
+          <a:stretch/>
         </p:blipFill>
         <p:spPr>
           <a:xfrm>
-            <a:off x="5347214" y="119063"/>
-            <a:ext cx="1497572" cy="1003300"/>
+            <a:off x="10019064" y="304123"/>
+            <a:ext cx="2172936" cy="699178"/>
           </a:xfrm>
           <a:prstGeom prst="rect">
             <a:avLst/>
@@ -4452,10 +4420,10 @@
       </p:pic>
       <p:pic>
         <p:nvPicPr>
-          <p:cNvPr id="8" name="Image 7">
-            <a:extLst>
-              <a:ext uri="{FF2B5EF4-FFF2-40B4-BE49-F238E27FC236}">
-                <a16:creationId xmlns:a16="http://schemas.microsoft.com/office/drawing/2014/main" id="{277D7FD5-BAE1-6ED7-AF9A-2A86A4E113B0}"/>
+          <p:cNvPr id="6" name="Image 5">
+            <a:extLst>
+              <a:ext uri="{FF2B5EF4-FFF2-40B4-BE49-F238E27FC236}">
+                <a16:creationId xmlns:a16="http://schemas.microsoft.com/office/drawing/2014/main" id="{951B72B1-1FD7-0413-3AA5-ACE63791A083}"/>
               </a:ext>
             </a:extLst>
           </p:cNvPr>
@@ -4466,35 +4434,6 @@
         </p:nvPicPr>
         <p:blipFill>
           <a:blip r:embed="rId3"/>
-          <a:srcRect l="4054" t="21941" r="4740" b="7700"/>
-          <a:stretch/>
-        </p:blipFill>
-        <p:spPr>
-          <a:xfrm>
-            <a:off x="10019064" y="304123"/>
-            <a:ext cx="2172936" cy="699178"/>
-          </a:xfrm>
-          <a:prstGeom prst="rect">
-            <a:avLst/>
-          </a:prstGeom>
-        </p:spPr>
-      </p:pic>
-      <p:pic>
-        <p:nvPicPr>
-          <p:cNvPr id="6" name="Image 5">
-            <a:extLst>
-              <a:ext uri="{FF2B5EF4-FFF2-40B4-BE49-F238E27FC236}">
-                <a16:creationId xmlns:a16="http://schemas.microsoft.com/office/drawing/2014/main" id="{951B72B1-1FD7-0413-3AA5-ACE63791A083}"/>
-              </a:ext>
-            </a:extLst>
-          </p:cNvPr>
-          <p:cNvPicPr>
-            <a:picLocks noChangeAspect="1"/>
-          </p:cNvPicPr>
-          <p:nvPr/>
-        </p:nvPicPr>
-        <p:blipFill>
-          <a:blip r:embed="rId4"/>
           <a:stretch>
             <a:fillRect/>
           </a:stretch>
@@ -4537,20 +4476,13 @@
           <a:p>
             <a:r>
               <a:rPr lang="en-US" b="1" dirty="0"/>
-              <a:t>RTIP2R-2025</a:t>
-            </a:r>
-            <a:r>
-              <a:rPr lang="en-US" dirty="0"/>
-              <a:t> </a:t>
-            </a:r>
-            <a:r>
-              <a:rPr lang="en-US" b="1" dirty="0">
-                <a:solidFill>
-                  <a:srgbClr val="09298F"/>
-                </a:solidFill>
-              </a:rPr>
-              <a:t>@ENSA MARRAKECH MOROCCO</a:t>
-            </a:r>
+              <a:t>AISEC-2025 @ENSA MARRAKECH MOROCCO</a:t>
+            </a:r>
+            <a:endParaRPr lang="en-US" b="1" dirty="0">
+              <a:solidFill>
+                <a:srgbClr val="09298F"/>
+              </a:solidFill>
+            </a:endParaRPr>
           </a:p>
         </p:txBody>
       </p:sp>
@@ -4584,7 +4516,7 @@
           <a:p>
             <a:r>
               <a:rPr lang="en-IN" sz="1200" dirty="0"/>
-              <a:t>December 11-13, 2025</a:t>
+              <a:t>May 12-14, 2025</a:t>
             </a:r>
             <a:endParaRPr lang="en-US" sz="1200" dirty="0"/>
           </a:p>
@@ -4692,10 +4624,10 @@
       </p:sp>
       <p:pic>
         <p:nvPicPr>
-          <p:cNvPr id="5" name="Image 4">
-            <a:extLst>
-              <a:ext uri="{FF2B5EF4-FFF2-40B4-BE49-F238E27FC236}">
-                <a16:creationId xmlns:a16="http://schemas.microsoft.com/office/drawing/2014/main" id="{338739CE-7AE9-FB4B-4FC5-30855E949652}"/>
+          <p:cNvPr id="8" name="Image 7">
+            <a:extLst>
+              <a:ext uri="{FF2B5EF4-FFF2-40B4-BE49-F238E27FC236}">
+                <a16:creationId xmlns:a16="http://schemas.microsoft.com/office/drawing/2014/main" id="{290FD810-79CC-DBC2-1929-2FC8553559A4}"/>
               </a:ext>
             </a:extLst>
           </p:cNvPr>
@@ -4706,14 +4638,13 @@
         </p:nvPicPr>
         <p:blipFill>
           <a:blip r:embed="rId2"/>
-          <a:stretch>
-            <a:fillRect/>
-          </a:stretch>
+          <a:srcRect l="4054" t="21941" r="4740" b="7700"/>
+          <a:stretch/>
         </p:blipFill>
         <p:spPr>
           <a:xfrm>
-            <a:off x="5347214" y="119063"/>
-            <a:ext cx="1497572" cy="1003300"/>
+            <a:off x="10019064" y="304123"/>
+            <a:ext cx="2172936" cy="699178"/>
           </a:xfrm>
           <a:prstGeom prst="rect">
             <a:avLst/>
@@ -4722,10 +4653,10 @@
       </p:pic>
       <p:pic>
         <p:nvPicPr>
-          <p:cNvPr id="8" name="Image 7">
-            <a:extLst>
-              <a:ext uri="{FF2B5EF4-FFF2-40B4-BE49-F238E27FC236}">
-                <a16:creationId xmlns:a16="http://schemas.microsoft.com/office/drawing/2014/main" id="{290FD810-79CC-DBC2-1929-2FC8553559A4}"/>
+          <p:cNvPr id="6" name="Image 5">
+            <a:extLst>
+              <a:ext uri="{FF2B5EF4-FFF2-40B4-BE49-F238E27FC236}">
+                <a16:creationId xmlns:a16="http://schemas.microsoft.com/office/drawing/2014/main" id="{D059827D-F524-9003-D2EC-642C918B9253}"/>
               </a:ext>
             </a:extLst>
           </p:cNvPr>
@@ -4736,35 +4667,6 @@
         </p:nvPicPr>
         <p:blipFill>
           <a:blip r:embed="rId3"/>
-          <a:srcRect l="4054" t="21941" r="4740" b="7700"/>
-          <a:stretch/>
-        </p:blipFill>
-        <p:spPr>
-          <a:xfrm>
-            <a:off x="10019064" y="304123"/>
-            <a:ext cx="2172936" cy="699178"/>
-          </a:xfrm>
-          <a:prstGeom prst="rect">
-            <a:avLst/>
-          </a:prstGeom>
-        </p:spPr>
-      </p:pic>
-      <p:pic>
-        <p:nvPicPr>
-          <p:cNvPr id="6" name="Image 5">
-            <a:extLst>
-              <a:ext uri="{FF2B5EF4-FFF2-40B4-BE49-F238E27FC236}">
-                <a16:creationId xmlns:a16="http://schemas.microsoft.com/office/drawing/2014/main" id="{D059827D-F524-9003-D2EC-642C918B9253}"/>
-              </a:ext>
-            </a:extLst>
-          </p:cNvPr>
-          <p:cNvPicPr>
-            <a:picLocks noChangeAspect="1"/>
-          </p:cNvPicPr>
-          <p:nvPr/>
-        </p:nvPicPr>
-        <p:blipFill>
-          <a:blip r:embed="rId4"/>
           <a:stretch>
             <a:fillRect/>
           </a:stretch>
@@ -4807,20 +4709,13 @@
           <a:p>
             <a:r>
               <a:rPr lang="en-US" b="1" dirty="0"/>
-              <a:t>RTIP2R-2025</a:t>
-            </a:r>
-            <a:r>
-              <a:rPr lang="en-US" dirty="0"/>
-              <a:t> </a:t>
-            </a:r>
-            <a:r>
-              <a:rPr lang="en-US" b="1" dirty="0">
-                <a:solidFill>
-                  <a:srgbClr val="09298F"/>
-                </a:solidFill>
-              </a:rPr>
-              <a:t>@ENSA MARRAKECH MOROCCO</a:t>
-            </a:r>
+              <a:t>AISEC-2025 @ENSA MARRAKECH MOROCCO</a:t>
+            </a:r>
+            <a:endParaRPr lang="en-US" b="1" dirty="0">
+              <a:solidFill>
+                <a:srgbClr val="09298F"/>
+              </a:solidFill>
+            </a:endParaRPr>
           </a:p>
         </p:txBody>
       </p:sp>
@@ -4854,7 +4749,7 @@
           <a:p>
             <a:r>
               <a:rPr lang="en-IN" sz="1200" dirty="0"/>
-              <a:t>December 11-13, 2025</a:t>
+              <a:t>May 12-14, 2025</a:t>
             </a:r>
             <a:endParaRPr lang="en-US" sz="1200" dirty="0"/>
           </a:p>
@@ -4962,10 +4857,10 @@
       </p:sp>
       <p:pic>
         <p:nvPicPr>
-          <p:cNvPr id="5" name="Image 4">
-            <a:extLst>
-              <a:ext uri="{FF2B5EF4-FFF2-40B4-BE49-F238E27FC236}">
-                <a16:creationId xmlns:a16="http://schemas.microsoft.com/office/drawing/2014/main" id="{A69E93DE-A8B0-A247-5FD1-895980E71FBB}"/>
+          <p:cNvPr id="8" name="Image 7">
+            <a:extLst>
+              <a:ext uri="{FF2B5EF4-FFF2-40B4-BE49-F238E27FC236}">
+                <a16:creationId xmlns:a16="http://schemas.microsoft.com/office/drawing/2014/main" id="{1FFC6D1B-50DF-3A3E-EB9C-0E0773C22DD6}"/>
               </a:ext>
             </a:extLst>
           </p:cNvPr>
@@ -4976,14 +4871,13 @@
         </p:nvPicPr>
         <p:blipFill>
           <a:blip r:embed="rId2"/>
-          <a:stretch>
-            <a:fillRect/>
-          </a:stretch>
+          <a:srcRect l="4054" t="21941" r="4740" b="7700"/>
+          <a:stretch/>
         </p:blipFill>
         <p:spPr>
           <a:xfrm>
-            <a:off x="5347214" y="119063"/>
-            <a:ext cx="1497572" cy="1003300"/>
+            <a:off x="10019064" y="304123"/>
+            <a:ext cx="2172936" cy="699178"/>
           </a:xfrm>
           <a:prstGeom prst="rect">
             <a:avLst/>
@@ -4992,10 +4886,10 @@
       </p:pic>
       <p:pic>
         <p:nvPicPr>
-          <p:cNvPr id="8" name="Image 7">
-            <a:extLst>
-              <a:ext uri="{FF2B5EF4-FFF2-40B4-BE49-F238E27FC236}">
-                <a16:creationId xmlns:a16="http://schemas.microsoft.com/office/drawing/2014/main" id="{1FFC6D1B-50DF-3A3E-EB9C-0E0773C22DD6}"/>
+          <p:cNvPr id="6" name="Image 5">
+            <a:extLst>
+              <a:ext uri="{FF2B5EF4-FFF2-40B4-BE49-F238E27FC236}">
+                <a16:creationId xmlns:a16="http://schemas.microsoft.com/office/drawing/2014/main" id="{A604A2B5-C75D-6443-24BD-1CA30A970A90}"/>
               </a:ext>
             </a:extLst>
           </p:cNvPr>
@@ -5006,35 +4900,6 @@
         </p:nvPicPr>
         <p:blipFill>
           <a:blip r:embed="rId3"/>
-          <a:srcRect l="4054" t="21941" r="4740" b="7700"/>
-          <a:stretch/>
-        </p:blipFill>
-        <p:spPr>
-          <a:xfrm>
-            <a:off x="10019064" y="304123"/>
-            <a:ext cx="2172936" cy="699178"/>
-          </a:xfrm>
-          <a:prstGeom prst="rect">
-            <a:avLst/>
-          </a:prstGeom>
-        </p:spPr>
-      </p:pic>
-      <p:pic>
-        <p:nvPicPr>
-          <p:cNvPr id="6" name="Image 5">
-            <a:extLst>
-              <a:ext uri="{FF2B5EF4-FFF2-40B4-BE49-F238E27FC236}">
-                <a16:creationId xmlns:a16="http://schemas.microsoft.com/office/drawing/2014/main" id="{A604A2B5-C75D-6443-24BD-1CA30A970A90}"/>
-              </a:ext>
-            </a:extLst>
-          </p:cNvPr>
-          <p:cNvPicPr>
-            <a:picLocks noChangeAspect="1"/>
-          </p:cNvPicPr>
-          <p:nvPr/>
-        </p:nvPicPr>
-        <p:blipFill>
-          <a:blip r:embed="rId4"/>
           <a:stretch>
             <a:fillRect/>
           </a:stretch>
@@ -5077,20 +4942,13 @@
           <a:p>
             <a:r>
               <a:rPr lang="en-US" b="1" dirty="0"/>
-              <a:t>RTIP2R-2025</a:t>
-            </a:r>
-            <a:r>
-              <a:rPr lang="en-US" dirty="0"/>
-              <a:t> </a:t>
-            </a:r>
-            <a:r>
-              <a:rPr lang="en-US" b="1" dirty="0">
-                <a:solidFill>
-                  <a:srgbClr val="09298F"/>
-                </a:solidFill>
-              </a:rPr>
-              <a:t>@ENSA MARRAKECH MOROCCO</a:t>
-            </a:r>
+              <a:t>AISEC-2025 @ENSA MARRAKECH MOROCCO</a:t>
+            </a:r>
+            <a:endParaRPr lang="en-US" b="1" dirty="0">
+              <a:solidFill>
+                <a:srgbClr val="09298F"/>
+              </a:solidFill>
+            </a:endParaRPr>
           </a:p>
         </p:txBody>
       </p:sp>
@@ -5124,7 +4982,7 @@
           <a:p>
             <a:r>
               <a:rPr lang="en-IN" sz="1200" dirty="0"/>
-              <a:t>December 11-13, 2025</a:t>
+              <a:t>May 12-14, 2025</a:t>
             </a:r>
             <a:endParaRPr lang="en-US" sz="1200" dirty="0"/>
           </a:p>
@@ -5235,29 +5093,22 @@
           <a:p>
             <a:r>
               <a:rPr lang="en-US" b="1" dirty="0"/>
-              <a:t>RTIP2R-2025</a:t>
-            </a:r>
-            <a:r>
-              <a:rPr lang="en-US" dirty="0"/>
-              <a:t> </a:t>
-            </a:r>
-            <a:r>
-              <a:rPr lang="en-US" b="1" dirty="0">
-                <a:solidFill>
-                  <a:srgbClr val="09298F"/>
-                </a:solidFill>
-              </a:rPr>
-              <a:t>@ENSA MARRAKECH MOROCCO</a:t>
-            </a:r>
+              <a:t>AISEC-2025 @ENSA MARRAKECH MOROCCO</a:t>
+            </a:r>
+            <a:endParaRPr lang="en-US" b="1" dirty="0">
+              <a:solidFill>
+                <a:srgbClr val="09298F"/>
+              </a:solidFill>
+            </a:endParaRPr>
           </a:p>
         </p:txBody>
       </p:sp>
       <p:pic>
         <p:nvPicPr>
-          <p:cNvPr id="5" name="Image 4">
-            <a:extLst>
-              <a:ext uri="{FF2B5EF4-FFF2-40B4-BE49-F238E27FC236}">
-                <a16:creationId xmlns:a16="http://schemas.microsoft.com/office/drawing/2014/main" id="{659A3E71-E63D-F249-D72B-F6CE5F1589EB}"/>
+          <p:cNvPr id="8" name="Image 7">
+            <a:extLst>
+              <a:ext uri="{FF2B5EF4-FFF2-40B4-BE49-F238E27FC236}">
+                <a16:creationId xmlns:a16="http://schemas.microsoft.com/office/drawing/2014/main" id="{4D04358A-8B60-033D-5BC2-31917ADB0D82}"/>
               </a:ext>
             </a:extLst>
           </p:cNvPr>
@@ -5268,14 +5119,13 @@
         </p:nvPicPr>
         <p:blipFill>
           <a:blip r:embed="rId2"/>
-          <a:stretch>
-            <a:fillRect/>
-          </a:stretch>
+          <a:srcRect l="4054" t="21941" r="4740" b="7700"/>
+          <a:stretch/>
         </p:blipFill>
         <p:spPr>
           <a:xfrm>
-            <a:off x="5347214" y="119063"/>
-            <a:ext cx="1497572" cy="1003300"/>
+            <a:off x="10019064" y="304123"/>
+            <a:ext cx="2172936" cy="699178"/>
           </a:xfrm>
           <a:prstGeom prst="rect">
             <a:avLst/>
@@ -5284,10 +5134,10 @@
       </p:pic>
       <p:pic>
         <p:nvPicPr>
-          <p:cNvPr id="8" name="Image 7">
-            <a:extLst>
-              <a:ext uri="{FF2B5EF4-FFF2-40B4-BE49-F238E27FC236}">
-                <a16:creationId xmlns:a16="http://schemas.microsoft.com/office/drawing/2014/main" id="{4D04358A-8B60-033D-5BC2-31917ADB0D82}"/>
+          <p:cNvPr id="6" name="Image 5">
+            <a:extLst>
+              <a:ext uri="{FF2B5EF4-FFF2-40B4-BE49-F238E27FC236}">
+                <a16:creationId xmlns:a16="http://schemas.microsoft.com/office/drawing/2014/main" id="{98B9DF09-9B91-1B72-8556-72F3C8A61D82}"/>
               </a:ext>
             </a:extLst>
           </p:cNvPr>
@@ -5298,35 +5148,6 @@
         </p:nvPicPr>
         <p:blipFill>
           <a:blip r:embed="rId3"/>
-          <a:srcRect l="4054" t="21941" r="4740" b="7700"/>
-          <a:stretch/>
-        </p:blipFill>
-        <p:spPr>
-          <a:xfrm>
-            <a:off x="10019064" y="304123"/>
-            <a:ext cx="2172936" cy="699178"/>
-          </a:xfrm>
-          <a:prstGeom prst="rect">
-            <a:avLst/>
-          </a:prstGeom>
-        </p:spPr>
-      </p:pic>
-      <p:pic>
-        <p:nvPicPr>
-          <p:cNvPr id="6" name="Image 5">
-            <a:extLst>
-              <a:ext uri="{FF2B5EF4-FFF2-40B4-BE49-F238E27FC236}">
-                <a16:creationId xmlns:a16="http://schemas.microsoft.com/office/drawing/2014/main" id="{98B9DF09-9B91-1B72-8556-72F3C8A61D82}"/>
-              </a:ext>
-            </a:extLst>
-          </p:cNvPr>
-          <p:cNvPicPr>
-            <a:picLocks noChangeAspect="1"/>
-          </p:cNvPicPr>
-          <p:nvPr/>
-        </p:nvPicPr>
-        <p:blipFill>
-          <a:blip r:embed="rId4"/>
           <a:stretch>
             <a:fillRect/>
           </a:stretch>
@@ -5371,7 +5192,7 @@
           <a:p>
             <a:r>
               <a:rPr lang="en-IN" sz="1200" dirty="0"/>
-              <a:t>December 11-13, 2025</a:t>
+              <a:t>May 12-14, 2025</a:t>
             </a:r>
             <a:endParaRPr lang="en-US" sz="1200" dirty="0"/>
           </a:p>
@@ -5381,183 +5202,6 @@
     <p:extLst>
       <p:ext uri="{BB962C8B-B14F-4D97-AF65-F5344CB8AC3E}">
         <p14:creationId xmlns:p14="http://schemas.microsoft.com/office/powerpoint/2010/main" val="3797891909"/>
-      </p:ext>
-    </p:extLst>
-  </p:cSld>
-  <p:clrMapOvr>
-    <a:masterClrMapping/>
-  </p:clrMapOvr>
-</p:sld>
-</file>
-
-<file path=ppt/slides/slide14.xml><?xml version="1.0" encoding="utf-8"?>
-<p:sld xmlns:a="http://schemas.openxmlformats.org/drawingml/2006/main" xmlns:r="http://schemas.openxmlformats.org/officeDocument/2006/relationships" xmlns:p="http://schemas.openxmlformats.org/presentationml/2006/main">
-  <p:cSld>
-    <p:spTree>
-      <p:nvGrpSpPr>
-        <p:cNvPr id="1" name=""/>
-        <p:cNvGrpSpPr/>
-        <p:nvPr/>
-      </p:nvGrpSpPr>
-      <p:grpSpPr>
-        <a:xfrm>
-          <a:off x="0" y="0"/>
-          <a:ext cx="0" cy="0"/>
-          <a:chOff x="0" y="0"/>
-          <a:chExt cx="0" cy="0"/>
-        </a:xfrm>
-      </p:grpSpPr>
-      <p:sp>
-        <p:nvSpPr>
-          <p:cNvPr id="7" name="Title 6">
-            <a:extLst>
-              <a:ext uri="{FF2B5EF4-FFF2-40B4-BE49-F238E27FC236}">
-                <a16:creationId xmlns:a16="http://schemas.microsoft.com/office/drawing/2014/main" id="{DD0BB81E-F3C4-DD74-8AAB-9A68D1B2706F}"/>
-              </a:ext>
-            </a:extLst>
-          </p:cNvPr>
-          <p:cNvSpPr>
-            <a:spLocks noGrp="1"/>
-          </p:cNvSpPr>
-          <p:nvPr>
-            <p:ph type="title"/>
-          </p:nvPr>
-        </p:nvSpPr>
-        <p:spPr>
-          <a:xfrm>
-            <a:off x="831850" y="1709738"/>
-            <a:ext cx="10515600" cy="3191871"/>
-          </a:xfrm>
-        </p:spPr>
-        <p:txBody>
-          <a:bodyPr/>
-          <a:lstStyle/>
-          <a:p>
-            <a:pPr algn="ctr"/>
-            <a:r>
-              <a:rPr lang="en-US" dirty="0"/>
-              <a:t>Thank You</a:t>
-            </a:r>
-            <a:br>
-              <a:rPr lang="en-US" dirty="0"/>
-            </a:br>
-            <a:br>
-              <a:rPr lang="en-US" dirty="0"/>
-            </a:br>
-            <a:r>
-              <a:rPr lang="en-US" dirty="0"/>
-              <a:t>Queries?</a:t>
-            </a:r>
-          </a:p>
-        </p:txBody>
-      </p:sp>
-      <p:sp>
-        <p:nvSpPr>
-          <p:cNvPr id="4" name="Date Placeholder 3">
-            <a:extLst>
-              <a:ext uri="{FF2B5EF4-FFF2-40B4-BE49-F238E27FC236}">
-                <a16:creationId xmlns:a16="http://schemas.microsoft.com/office/drawing/2014/main" id="{B0CA8E3B-E54D-F879-123B-02C3F81A0785}"/>
-              </a:ext>
-            </a:extLst>
-          </p:cNvPr>
-          <p:cNvSpPr>
-            <a:spLocks noGrp="1"/>
-          </p:cNvSpPr>
-          <p:nvPr>
-            <p:ph type="dt" sz="half" idx="10"/>
-          </p:nvPr>
-        </p:nvSpPr>
-        <p:spPr/>
-        <p:txBody>
-          <a:bodyPr/>
-          <a:lstStyle/>
-          <a:p>
-            <a:r>
-              <a:rPr lang="en-IN"/>
-              <a:t>December 19-20, 2024</a:t>
-            </a:r>
-            <a:endParaRPr lang="en-US" dirty="0"/>
-          </a:p>
-        </p:txBody>
-      </p:sp>
-      <p:sp>
-        <p:nvSpPr>
-          <p:cNvPr id="5" name="Footer Placeholder 4">
-            <a:extLst>
-              <a:ext uri="{FF2B5EF4-FFF2-40B4-BE49-F238E27FC236}">
-                <a16:creationId xmlns:a16="http://schemas.microsoft.com/office/drawing/2014/main" id="{2C168178-7B4F-3383-6FE6-55A56D4D42B4}"/>
-              </a:ext>
-            </a:extLst>
-          </p:cNvPr>
-          <p:cNvSpPr>
-            <a:spLocks noGrp="1"/>
-          </p:cNvSpPr>
-          <p:nvPr>
-            <p:ph type="ftr" sz="quarter" idx="11"/>
-          </p:nvPr>
-        </p:nvSpPr>
-        <p:spPr/>
-        <p:txBody>
-          <a:bodyPr/>
-          <a:lstStyle/>
-          <a:p>
-            <a:r>
-              <a:rPr lang="en-US" b="1"/>
-              <a:t>RTIP2R-2024</a:t>
-            </a:r>
-            <a:r>
-              <a:rPr lang="en-US"/>
-              <a:t> </a:t>
-            </a:r>
-            <a:r>
-              <a:rPr lang="en-US" b="1">
-                <a:solidFill>
-                  <a:srgbClr val="09298F"/>
-                </a:solidFill>
-              </a:rPr>
-              <a:t>@IIIT Bhopal India</a:t>
-            </a:r>
-            <a:endParaRPr lang="en-US" b="1" dirty="0">
-              <a:solidFill>
-                <a:srgbClr val="09298F"/>
-              </a:solidFill>
-            </a:endParaRPr>
-          </a:p>
-        </p:txBody>
-      </p:sp>
-      <p:sp>
-        <p:nvSpPr>
-          <p:cNvPr id="6" name="Slide Number Placeholder 5">
-            <a:extLst>
-              <a:ext uri="{FF2B5EF4-FFF2-40B4-BE49-F238E27FC236}">
-                <a16:creationId xmlns:a16="http://schemas.microsoft.com/office/drawing/2014/main" id="{03C48956-B62D-7626-6879-055020A031A6}"/>
-              </a:ext>
-            </a:extLst>
-          </p:cNvPr>
-          <p:cNvSpPr>
-            <a:spLocks noGrp="1"/>
-          </p:cNvSpPr>
-          <p:nvPr>
-            <p:ph type="sldNum" sz="quarter" idx="12"/>
-          </p:nvPr>
-        </p:nvSpPr>
-        <p:spPr/>
-        <p:txBody>
-          <a:bodyPr/>
-          <a:lstStyle/>
-          <a:p>
-            <a:fld id="{B005E5DD-7343-F44A-A839-EE14FDE9B9D2}" type="slidenum">
-              <a:rPr lang="en-US" smtClean="0"/>
-              <a:t>14</a:t>
-            </a:fld>
-            <a:endParaRPr lang="en-US"/>
-          </a:p>
-        </p:txBody>
-      </p:sp>
-    </p:spTree>
-    <p:extLst>
-      <p:ext uri="{BB962C8B-B14F-4D97-AF65-F5344CB8AC3E}">
-        <p14:creationId xmlns:p14="http://schemas.microsoft.com/office/powerpoint/2010/main" val="1229235368"/>
       </p:ext>
     </p:extLst>
   </p:cSld>
@@ -5692,10 +5336,10 @@
       </p:sp>
       <p:pic>
         <p:nvPicPr>
-          <p:cNvPr id="5" name="Image 4">
-            <a:extLst>
-              <a:ext uri="{FF2B5EF4-FFF2-40B4-BE49-F238E27FC236}">
-                <a16:creationId xmlns:a16="http://schemas.microsoft.com/office/drawing/2014/main" id="{68254D4A-644D-0613-1560-0C3D703A4B4C}"/>
+          <p:cNvPr id="8" name="Image 7">
+            <a:extLst>
+              <a:ext uri="{FF2B5EF4-FFF2-40B4-BE49-F238E27FC236}">
+                <a16:creationId xmlns:a16="http://schemas.microsoft.com/office/drawing/2014/main" id="{65A4CDDB-CA5D-ED9A-4651-887A903BF3E4}"/>
               </a:ext>
             </a:extLst>
           </p:cNvPr>
@@ -5706,14 +5350,13 @@
         </p:nvPicPr>
         <p:blipFill>
           <a:blip r:embed="rId2"/>
-          <a:stretch>
-            <a:fillRect/>
-          </a:stretch>
+          <a:srcRect l="4054" t="21941" r="4740" b="7700"/>
+          <a:stretch/>
         </p:blipFill>
         <p:spPr>
           <a:xfrm>
-            <a:off x="5347214" y="119063"/>
-            <a:ext cx="1497572" cy="1003300"/>
+            <a:off x="10019064" y="304123"/>
+            <a:ext cx="2172936" cy="699178"/>
           </a:xfrm>
           <a:prstGeom prst="rect">
             <a:avLst/>
@@ -5722,10 +5365,10 @@
       </p:pic>
       <p:pic>
         <p:nvPicPr>
-          <p:cNvPr id="8" name="Image 7">
-            <a:extLst>
-              <a:ext uri="{FF2B5EF4-FFF2-40B4-BE49-F238E27FC236}">
-                <a16:creationId xmlns:a16="http://schemas.microsoft.com/office/drawing/2014/main" id="{65A4CDDB-CA5D-ED9A-4651-887A903BF3E4}"/>
+          <p:cNvPr id="6" name="Image 5">
+            <a:extLst>
+              <a:ext uri="{FF2B5EF4-FFF2-40B4-BE49-F238E27FC236}">
+                <a16:creationId xmlns:a16="http://schemas.microsoft.com/office/drawing/2014/main" id="{32ED7B11-BF3E-234D-7AC8-21C84FC7CA0C}"/>
               </a:ext>
             </a:extLst>
           </p:cNvPr>
@@ -5736,35 +5379,6 @@
         </p:nvPicPr>
         <p:blipFill>
           <a:blip r:embed="rId3"/>
-          <a:srcRect l="4054" t="21941" r="4740" b="7700"/>
-          <a:stretch/>
-        </p:blipFill>
-        <p:spPr>
-          <a:xfrm>
-            <a:off x="10019064" y="304123"/>
-            <a:ext cx="2172936" cy="699178"/>
-          </a:xfrm>
-          <a:prstGeom prst="rect">
-            <a:avLst/>
-          </a:prstGeom>
-        </p:spPr>
-      </p:pic>
-      <p:pic>
-        <p:nvPicPr>
-          <p:cNvPr id="6" name="Image 5">
-            <a:extLst>
-              <a:ext uri="{FF2B5EF4-FFF2-40B4-BE49-F238E27FC236}">
-                <a16:creationId xmlns:a16="http://schemas.microsoft.com/office/drawing/2014/main" id="{32ED7B11-BF3E-234D-7AC8-21C84FC7CA0C}"/>
-              </a:ext>
-            </a:extLst>
-          </p:cNvPr>
-          <p:cNvPicPr>
-            <a:picLocks noChangeAspect="1"/>
-          </p:cNvPicPr>
-          <p:nvPr/>
-        </p:nvPicPr>
-        <p:blipFill>
-          <a:blip r:embed="rId4"/>
           <a:stretch>
             <a:fillRect/>
           </a:stretch>
@@ -5807,20 +5421,13 @@
           <a:p>
             <a:r>
               <a:rPr lang="en-US" b="1" dirty="0"/>
-              <a:t>RTIP2R-2025</a:t>
-            </a:r>
-            <a:r>
-              <a:rPr lang="en-US" dirty="0"/>
-              <a:t> </a:t>
-            </a:r>
-            <a:r>
-              <a:rPr lang="en-US" b="1" dirty="0">
-                <a:solidFill>
-                  <a:srgbClr val="09298F"/>
-                </a:solidFill>
-              </a:rPr>
-              <a:t>@ENSA MARRAKECH MOROCCO</a:t>
-            </a:r>
+              <a:t>AISEC-2025 @ENSA MARRAKECH MOROCCO</a:t>
+            </a:r>
+            <a:endParaRPr lang="en-US" b="1" dirty="0">
+              <a:solidFill>
+                <a:srgbClr val="09298F"/>
+              </a:solidFill>
+            </a:endParaRPr>
           </a:p>
         </p:txBody>
       </p:sp>
@@ -5854,7 +5461,7 @@
           <a:p>
             <a:r>
               <a:rPr lang="en-IN" sz="1200" dirty="0"/>
-              <a:t>December 11-13, 2025</a:t>
+              <a:t>May 12-14, 2025</a:t>
             </a:r>
             <a:endParaRPr lang="en-US" sz="1200" dirty="0"/>
           </a:p>
@@ -5962,10 +5569,10 @@
       </p:sp>
       <p:pic>
         <p:nvPicPr>
-          <p:cNvPr id="5" name="Image 4">
-            <a:extLst>
-              <a:ext uri="{FF2B5EF4-FFF2-40B4-BE49-F238E27FC236}">
-                <a16:creationId xmlns:a16="http://schemas.microsoft.com/office/drawing/2014/main" id="{8C5DBD3C-4163-B703-957C-E764AC67141E}"/>
+          <p:cNvPr id="8" name="Image 7">
+            <a:extLst>
+              <a:ext uri="{FF2B5EF4-FFF2-40B4-BE49-F238E27FC236}">
+                <a16:creationId xmlns:a16="http://schemas.microsoft.com/office/drawing/2014/main" id="{EAFFDBC9-F21A-6F89-329A-8B1056E32D34}"/>
               </a:ext>
             </a:extLst>
           </p:cNvPr>
@@ -5976,14 +5583,13 @@
         </p:nvPicPr>
         <p:blipFill>
           <a:blip r:embed="rId2"/>
-          <a:stretch>
-            <a:fillRect/>
-          </a:stretch>
+          <a:srcRect l="4054" t="21941" r="4740" b="7700"/>
+          <a:stretch/>
         </p:blipFill>
         <p:spPr>
           <a:xfrm>
-            <a:off x="5347214" y="119063"/>
-            <a:ext cx="1497572" cy="1003300"/>
+            <a:off x="10019064" y="304123"/>
+            <a:ext cx="2172936" cy="699178"/>
           </a:xfrm>
           <a:prstGeom prst="rect">
             <a:avLst/>
@@ -5992,10 +5598,10 @@
       </p:pic>
       <p:pic>
         <p:nvPicPr>
-          <p:cNvPr id="8" name="Image 7">
-            <a:extLst>
-              <a:ext uri="{FF2B5EF4-FFF2-40B4-BE49-F238E27FC236}">
-                <a16:creationId xmlns:a16="http://schemas.microsoft.com/office/drawing/2014/main" id="{EAFFDBC9-F21A-6F89-329A-8B1056E32D34}"/>
+          <p:cNvPr id="6" name="Image 5">
+            <a:extLst>
+              <a:ext uri="{FF2B5EF4-FFF2-40B4-BE49-F238E27FC236}">
+                <a16:creationId xmlns:a16="http://schemas.microsoft.com/office/drawing/2014/main" id="{60ACA448-5B58-9627-2E95-D5E054AFA92C}"/>
               </a:ext>
             </a:extLst>
           </p:cNvPr>
@@ -6006,35 +5612,6 @@
         </p:nvPicPr>
         <p:blipFill>
           <a:blip r:embed="rId3"/>
-          <a:srcRect l="4054" t="21941" r="4740" b="7700"/>
-          <a:stretch/>
-        </p:blipFill>
-        <p:spPr>
-          <a:xfrm>
-            <a:off x="10019064" y="304123"/>
-            <a:ext cx="2172936" cy="699178"/>
-          </a:xfrm>
-          <a:prstGeom prst="rect">
-            <a:avLst/>
-          </a:prstGeom>
-        </p:spPr>
-      </p:pic>
-      <p:pic>
-        <p:nvPicPr>
-          <p:cNvPr id="6" name="Image 5">
-            <a:extLst>
-              <a:ext uri="{FF2B5EF4-FFF2-40B4-BE49-F238E27FC236}">
-                <a16:creationId xmlns:a16="http://schemas.microsoft.com/office/drawing/2014/main" id="{60ACA448-5B58-9627-2E95-D5E054AFA92C}"/>
-              </a:ext>
-            </a:extLst>
-          </p:cNvPr>
-          <p:cNvPicPr>
-            <a:picLocks noChangeAspect="1"/>
-          </p:cNvPicPr>
-          <p:nvPr/>
-        </p:nvPicPr>
-        <p:blipFill>
-          <a:blip r:embed="rId4"/>
           <a:stretch>
             <a:fillRect/>
           </a:stretch>
@@ -6077,20 +5654,13 @@
           <a:p>
             <a:r>
               <a:rPr lang="en-US" b="1" dirty="0"/>
-              <a:t>RTIP2R-2025</a:t>
-            </a:r>
-            <a:r>
-              <a:rPr lang="en-US" dirty="0"/>
-              <a:t> </a:t>
-            </a:r>
-            <a:r>
-              <a:rPr lang="en-US" b="1" dirty="0">
-                <a:solidFill>
-                  <a:srgbClr val="09298F"/>
-                </a:solidFill>
-              </a:rPr>
-              <a:t>@ENSA MARRAKECH MOROCCO</a:t>
-            </a:r>
+              <a:t>AISEC-2025 @ENSA MARRAKECH MOROCCO</a:t>
+            </a:r>
+            <a:endParaRPr lang="en-US" b="1" dirty="0">
+              <a:solidFill>
+                <a:srgbClr val="09298F"/>
+              </a:solidFill>
+            </a:endParaRPr>
           </a:p>
         </p:txBody>
       </p:sp>
@@ -6124,7 +5694,7 @@
           <a:p>
             <a:r>
               <a:rPr lang="en-IN" sz="1200" dirty="0"/>
-              <a:t>December 11-13, 2025</a:t>
+              <a:t>May 12-14, 2025</a:t>
             </a:r>
             <a:endParaRPr lang="en-US" sz="1200" dirty="0"/>
           </a:p>
@@ -6232,10 +5802,10 @@
       </p:sp>
       <p:pic>
         <p:nvPicPr>
-          <p:cNvPr id="5" name="Image 4">
-            <a:extLst>
-              <a:ext uri="{FF2B5EF4-FFF2-40B4-BE49-F238E27FC236}">
-                <a16:creationId xmlns:a16="http://schemas.microsoft.com/office/drawing/2014/main" id="{3C927D65-A4BF-7D98-B2FA-9E9547937E52}"/>
+          <p:cNvPr id="8" name="Image 7">
+            <a:extLst>
+              <a:ext uri="{FF2B5EF4-FFF2-40B4-BE49-F238E27FC236}">
+                <a16:creationId xmlns:a16="http://schemas.microsoft.com/office/drawing/2014/main" id="{F0091699-DBA3-8202-A2B5-BD9AD633EB5E}"/>
               </a:ext>
             </a:extLst>
           </p:cNvPr>
@@ -6246,14 +5816,13 @@
         </p:nvPicPr>
         <p:blipFill>
           <a:blip r:embed="rId2"/>
-          <a:stretch>
-            <a:fillRect/>
-          </a:stretch>
+          <a:srcRect l="4054" t="21941" r="4740" b="7700"/>
+          <a:stretch/>
         </p:blipFill>
         <p:spPr>
           <a:xfrm>
-            <a:off x="5347214" y="119063"/>
-            <a:ext cx="1497572" cy="1003300"/>
+            <a:off x="10019064" y="304123"/>
+            <a:ext cx="2172936" cy="699178"/>
           </a:xfrm>
           <a:prstGeom prst="rect">
             <a:avLst/>
@@ -6262,10 +5831,10 @@
       </p:pic>
       <p:pic>
         <p:nvPicPr>
-          <p:cNvPr id="8" name="Image 7">
-            <a:extLst>
-              <a:ext uri="{FF2B5EF4-FFF2-40B4-BE49-F238E27FC236}">
-                <a16:creationId xmlns:a16="http://schemas.microsoft.com/office/drawing/2014/main" id="{F0091699-DBA3-8202-A2B5-BD9AD633EB5E}"/>
+          <p:cNvPr id="6" name="Image 5">
+            <a:extLst>
+              <a:ext uri="{FF2B5EF4-FFF2-40B4-BE49-F238E27FC236}">
+                <a16:creationId xmlns:a16="http://schemas.microsoft.com/office/drawing/2014/main" id="{E1786151-2676-FF4A-D57C-06E2E15CBCF4}"/>
               </a:ext>
             </a:extLst>
           </p:cNvPr>
@@ -6276,35 +5845,6 @@
         </p:nvPicPr>
         <p:blipFill>
           <a:blip r:embed="rId3"/>
-          <a:srcRect l="4054" t="21941" r="4740" b="7700"/>
-          <a:stretch/>
-        </p:blipFill>
-        <p:spPr>
-          <a:xfrm>
-            <a:off x="10019064" y="304123"/>
-            <a:ext cx="2172936" cy="699178"/>
-          </a:xfrm>
-          <a:prstGeom prst="rect">
-            <a:avLst/>
-          </a:prstGeom>
-        </p:spPr>
-      </p:pic>
-      <p:pic>
-        <p:nvPicPr>
-          <p:cNvPr id="6" name="Image 5">
-            <a:extLst>
-              <a:ext uri="{FF2B5EF4-FFF2-40B4-BE49-F238E27FC236}">
-                <a16:creationId xmlns:a16="http://schemas.microsoft.com/office/drawing/2014/main" id="{E1786151-2676-FF4A-D57C-06E2E15CBCF4}"/>
-              </a:ext>
-            </a:extLst>
-          </p:cNvPr>
-          <p:cNvPicPr>
-            <a:picLocks noChangeAspect="1"/>
-          </p:cNvPicPr>
-          <p:nvPr/>
-        </p:nvPicPr>
-        <p:blipFill>
-          <a:blip r:embed="rId4"/>
           <a:stretch>
             <a:fillRect/>
           </a:stretch>
@@ -6347,20 +5887,13 @@
           <a:p>
             <a:r>
               <a:rPr lang="en-US" b="1" dirty="0"/>
-              <a:t>RTIP2R-2025</a:t>
-            </a:r>
-            <a:r>
-              <a:rPr lang="en-US" dirty="0"/>
-              <a:t> </a:t>
-            </a:r>
-            <a:r>
-              <a:rPr lang="en-US" b="1" dirty="0">
-                <a:solidFill>
-                  <a:srgbClr val="09298F"/>
-                </a:solidFill>
-              </a:rPr>
-              <a:t>@ENSA MARRAKECH MOROCCO</a:t>
-            </a:r>
+              <a:t>AISEC-2025 @ENSA MARRAKECH MOROCCO</a:t>
+            </a:r>
+            <a:endParaRPr lang="en-US" b="1" dirty="0">
+              <a:solidFill>
+                <a:srgbClr val="09298F"/>
+              </a:solidFill>
+            </a:endParaRPr>
           </a:p>
         </p:txBody>
       </p:sp>
@@ -6394,7 +5927,7 @@
           <a:p>
             <a:r>
               <a:rPr lang="en-IN" sz="1200" dirty="0"/>
-              <a:t>December 11-13, 2025</a:t>
+              <a:t>May 12-14, 2025</a:t>
             </a:r>
             <a:endParaRPr lang="en-US" sz="1200" dirty="0"/>
           </a:p>
@@ -6502,10 +6035,10 @@
       </p:sp>
       <p:pic>
         <p:nvPicPr>
-          <p:cNvPr id="5" name="Image 4">
-            <a:extLst>
-              <a:ext uri="{FF2B5EF4-FFF2-40B4-BE49-F238E27FC236}">
-                <a16:creationId xmlns:a16="http://schemas.microsoft.com/office/drawing/2014/main" id="{69724C17-3CF7-A774-BCE9-61A9DDA9660A}"/>
+          <p:cNvPr id="8" name="Image 7">
+            <a:extLst>
+              <a:ext uri="{FF2B5EF4-FFF2-40B4-BE49-F238E27FC236}">
+                <a16:creationId xmlns:a16="http://schemas.microsoft.com/office/drawing/2014/main" id="{29E56603-796E-2373-459A-3E458B0E836D}"/>
               </a:ext>
             </a:extLst>
           </p:cNvPr>
@@ -6516,14 +6049,13 @@
         </p:nvPicPr>
         <p:blipFill>
           <a:blip r:embed="rId2"/>
-          <a:stretch>
-            <a:fillRect/>
-          </a:stretch>
+          <a:srcRect l="4054" t="21941" r="4740" b="7700"/>
+          <a:stretch/>
         </p:blipFill>
         <p:spPr>
           <a:xfrm>
-            <a:off x="5347214" y="119063"/>
-            <a:ext cx="1497572" cy="1003300"/>
+            <a:off x="10019064" y="304123"/>
+            <a:ext cx="2172936" cy="699178"/>
           </a:xfrm>
           <a:prstGeom prst="rect">
             <a:avLst/>
@@ -6532,10 +6064,10 @@
       </p:pic>
       <p:pic>
         <p:nvPicPr>
-          <p:cNvPr id="8" name="Image 7">
-            <a:extLst>
-              <a:ext uri="{FF2B5EF4-FFF2-40B4-BE49-F238E27FC236}">
-                <a16:creationId xmlns:a16="http://schemas.microsoft.com/office/drawing/2014/main" id="{29E56603-796E-2373-459A-3E458B0E836D}"/>
+          <p:cNvPr id="6" name="Image 5">
+            <a:extLst>
+              <a:ext uri="{FF2B5EF4-FFF2-40B4-BE49-F238E27FC236}">
+                <a16:creationId xmlns:a16="http://schemas.microsoft.com/office/drawing/2014/main" id="{03B8444E-B585-C368-9913-9E7E480D03D0}"/>
               </a:ext>
             </a:extLst>
           </p:cNvPr>
@@ -6546,35 +6078,6 @@
         </p:nvPicPr>
         <p:blipFill>
           <a:blip r:embed="rId3"/>
-          <a:srcRect l="4054" t="21941" r="4740" b="7700"/>
-          <a:stretch/>
-        </p:blipFill>
-        <p:spPr>
-          <a:xfrm>
-            <a:off x="10019064" y="304123"/>
-            <a:ext cx="2172936" cy="699178"/>
-          </a:xfrm>
-          <a:prstGeom prst="rect">
-            <a:avLst/>
-          </a:prstGeom>
-        </p:spPr>
-      </p:pic>
-      <p:pic>
-        <p:nvPicPr>
-          <p:cNvPr id="6" name="Image 5">
-            <a:extLst>
-              <a:ext uri="{FF2B5EF4-FFF2-40B4-BE49-F238E27FC236}">
-                <a16:creationId xmlns:a16="http://schemas.microsoft.com/office/drawing/2014/main" id="{03B8444E-B585-C368-9913-9E7E480D03D0}"/>
-              </a:ext>
-            </a:extLst>
-          </p:cNvPr>
-          <p:cNvPicPr>
-            <a:picLocks noChangeAspect="1"/>
-          </p:cNvPicPr>
-          <p:nvPr/>
-        </p:nvPicPr>
-        <p:blipFill>
-          <a:blip r:embed="rId4"/>
           <a:stretch>
             <a:fillRect/>
           </a:stretch>
@@ -6617,20 +6120,13 @@
           <a:p>
             <a:r>
               <a:rPr lang="en-US" b="1" dirty="0"/>
-              <a:t>RTIP2R-2025</a:t>
-            </a:r>
-            <a:r>
-              <a:rPr lang="en-US" dirty="0"/>
-              <a:t> </a:t>
-            </a:r>
-            <a:r>
-              <a:rPr lang="en-US" b="1" dirty="0">
-                <a:solidFill>
-                  <a:srgbClr val="09298F"/>
-                </a:solidFill>
-              </a:rPr>
-              <a:t>@ENSA MARRAKECH MOROCCO</a:t>
-            </a:r>
+              <a:t>AISEC-2025 @ENSA MARRAKECH MOROCCO</a:t>
+            </a:r>
+            <a:endParaRPr lang="en-US" b="1" dirty="0">
+              <a:solidFill>
+                <a:srgbClr val="09298F"/>
+              </a:solidFill>
+            </a:endParaRPr>
           </a:p>
         </p:txBody>
       </p:sp>
@@ -6664,7 +6160,7 @@
           <a:p>
             <a:r>
               <a:rPr lang="en-IN" sz="1200" dirty="0"/>
-              <a:t>December 11-13, 2025</a:t>
+              <a:t>May 12-14, 2025</a:t>
             </a:r>
             <a:endParaRPr lang="en-US" sz="1200" dirty="0"/>
           </a:p>
@@ -6772,10 +6268,10 @@
       </p:sp>
       <p:pic>
         <p:nvPicPr>
-          <p:cNvPr id="5" name="Image 4">
-            <a:extLst>
-              <a:ext uri="{FF2B5EF4-FFF2-40B4-BE49-F238E27FC236}">
-                <a16:creationId xmlns:a16="http://schemas.microsoft.com/office/drawing/2014/main" id="{9323305C-F383-0C18-83DC-158D16E3E532}"/>
+          <p:cNvPr id="8" name="Image 7">
+            <a:extLst>
+              <a:ext uri="{FF2B5EF4-FFF2-40B4-BE49-F238E27FC236}">
+                <a16:creationId xmlns:a16="http://schemas.microsoft.com/office/drawing/2014/main" id="{5ADFFAC9-DD97-E5A3-D4F6-016F16659967}"/>
               </a:ext>
             </a:extLst>
           </p:cNvPr>
@@ -6786,14 +6282,13 @@
         </p:nvPicPr>
         <p:blipFill>
           <a:blip r:embed="rId2"/>
-          <a:stretch>
-            <a:fillRect/>
-          </a:stretch>
+          <a:srcRect l="4054" t="21941" r="4740" b="7700"/>
+          <a:stretch/>
         </p:blipFill>
         <p:spPr>
           <a:xfrm>
-            <a:off x="5347214" y="119063"/>
-            <a:ext cx="1497572" cy="1003300"/>
+            <a:off x="10019064" y="304123"/>
+            <a:ext cx="2172936" cy="699178"/>
           </a:xfrm>
           <a:prstGeom prst="rect">
             <a:avLst/>
@@ -6802,10 +6297,10 @@
       </p:pic>
       <p:pic>
         <p:nvPicPr>
-          <p:cNvPr id="8" name="Image 7">
-            <a:extLst>
-              <a:ext uri="{FF2B5EF4-FFF2-40B4-BE49-F238E27FC236}">
-                <a16:creationId xmlns:a16="http://schemas.microsoft.com/office/drawing/2014/main" id="{5ADFFAC9-DD97-E5A3-D4F6-016F16659967}"/>
+          <p:cNvPr id="6" name="Image 5">
+            <a:extLst>
+              <a:ext uri="{FF2B5EF4-FFF2-40B4-BE49-F238E27FC236}">
+                <a16:creationId xmlns:a16="http://schemas.microsoft.com/office/drawing/2014/main" id="{8B4E6DF2-6E2C-C68E-7FFD-9210FE0F19E2}"/>
               </a:ext>
             </a:extLst>
           </p:cNvPr>
@@ -6816,35 +6311,6 @@
         </p:nvPicPr>
         <p:blipFill>
           <a:blip r:embed="rId3"/>
-          <a:srcRect l="4054" t="21941" r="4740" b="7700"/>
-          <a:stretch/>
-        </p:blipFill>
-        <p:spPr>
-          <a:xfrm>
-            <a:off x="10019064" y="304123"/>
-            <a:ext cx="2172936" cy="699178"/>
-          </a:xfrm>
-          <a:prstGeom prst="rect">
-            <a:avLst/>
-          </a:prstGeom>
-        </p:spPr>
-      </p:pic>
-      <p:pic>
-        <p:nvPicPr>
-          <p:cNvPr id="6" name="Image 5">
-            <a:extLst>
-              <a:ext uri="{FF2B5EF4-FFF2-40B4-BE49-F238E27FC236}">
-                <a16:creationId xmlns:a16="http://schemas.microsoft.com/office/drawing/2014/main" id="{8B4E6DF2-6E2C-C68E-7FFD-9210FE0F19E2}"/>
-              </a:ext>
-            </a:extLst>
-          </p:cNvPr>
-          <p:cNvPicPr>
-            <a:picLocks noChangeAspect="1"/>
-          </p:cNvPicPr>
-          <p:nvPr/>
-        </p:nvPicPr>
-        <p:blipFill>
-          <a:blip r:embed="rId4"/>
           <a:stretch>
             <a:fillRect/>
           </a:stretch>
@@ -6887,20 +6353,13 @@
           <a:p>
             <a:r>
               <a:rPr lang="en-US" b="1" dirty="0"/>
-              <a:t>RTIP2R-2025</a:t>
-            </a:r>
-            <a:r>
-              <a:rPr lang="en-US" dirty="0"/>
-              <a:t> </a:t>
-            </a:r>
-            <a:r>
-              <a:rPr lang="en-US" b="1" dirty="0">
-                <a:solidFill>
-                  <a:srgbClr val="09298F"/>
-                </a:solidFill>
-              </a:rPr>
-              <a:t>@ENSA MARRAKECH MOROCCO</a:t>
-            </a:r>
+              <a:t>AISEC-2025 @ENSA MARRAKECH MOROCCO</a:t>
+            </a:r>
+            <a:endParaRPr lang="en-US" b="1" dirty="0">
+              <a:solidFill>
+                <a:srgbClr val="09298F"/>
+              </a:solidFill>
+            </a:endParaRPr>
           </a:p>
         </p:txBody>
       </p:sp>
@@ -6934,7 +6393,7 @@
           <a:p>
             <a:r>
               <a:rPr lang="en-IN" sz="1200" dirty="0"/>
-              <a:t>December 11-13, 2025</a:t>
+              <a:t>May 12-14, 2025</a:t>
             </a:r>
             <a:endParaRPr lang="en-US" sz="1200" dirty="0"/>
           </a:p>
@@ -7042,10 +6501,10 @@
       </p:sp>
       <p:pic>
         <p:nvPicPr>
-          <p:cNvPr id="5" name="Image 4">
-            <a:extLst>
-              <a:ext uri="{FF2B5EF4-FFF2-40B4-BE49-F238E27FC236}">
-                <a16:creationId xmlns:a16="http://schemas.microsoft.com/office/drawing/2014/main" id="{B40D4A54-24DB-1894-E7EE-02E961B8D9AC}"/>
+          <p:cNvPr id="8" name="Image 7">
+            <a:extLst>
+              <a:ext uri="{FF2B5EF4-FFF2-40B4-BE49-F238E27FC236}">
+                <a16:creationId xmlns:a16="http://schemas.microsoft.com/office/drawing/2014/main" id="{42ACEFF1-5F01-794F-6F1F-DA0C66A17BE0}"/>
               </a:ext>
             </a:extLst>
           </p:cNvPr>
@@ -7056,14 +6515,13 @@
         </p:nvPicPr>
         <p:blipFill>
           <a:blip r:embed="rId2"/>
-          <a:stretch>
-            <a:fillRect/>
-          </a:stretch>
+          <a:srcRect l="4054" t="21941" r="4740" b="7700"/>
+          <a:stretch/>
         </p:blipFill>
         <p:spPr>
           <a:xfrm>
-            <a:off x="5347214" y="119063"/>
-            <a:ext cx="1497572" cy="1003300"/>
+            <a:off x="10019064" y="304123"/>
+            <a:ext cx="2172936" cy="699178"/>
           </a:xfrm>
           <a:prstGeom prst="rect">
             <a:avLst/>
@@ -7072,10 +6530,10 @@
       </p:pic>
       <p:pic>
         <p:nvPicPr>
-          <p:cNvPr id="8" name="Image 7">
-            <a:extLst>
-              <a:ext uri="{FF2B5EF4-FFF2-40B4-BE49-F238E27FC236}">
-                <a16:creationId xmlns:a16="http://schemas.microsoft.com/office/drawing/2014/main" id="{42ACEFF1-5F01-794F-6F1F-DA0C66A17BE0}"/>
+          <p:cNvPr id="6" name="Image 5">
+            <a:extLst>
+              <a:ext uri="{FF2B5EF4-FFF2-40B4-BE49-F238E27FC236}">
+                <a16:creationId xmlns:a16="http://schemas.microsoft.com/office/drawing/2014/main" id="{FA50DBD8-C720-51E0-4B25-6291B84210FC}"/>
               </a:ext>
             </a:extLst>
           </p:cNvPr>
@@ -7086,35 +6544,6 @@
         </p:nvPicPr>
         <p:blipFill>
           <a:blip r:embed="rId3"/>
-          <a:srcRect l="4054" t="21941" r="4740" b="7700"/>
-          <a:stretch/>
-        </p:blipFill>
-        <p:spPr>
-          <a:xfrm>
-            <a:off x="10019064" y="304123"/>
-            <a:ext cx="2172936" cy="699178"/>
-          </a:xfrm>
-          <a:prstGeom prst="rect">
-            <a:avLst/>
-          </a:prstGeom>
-        </p:spPr>
-      </p:pic>
-      <p:pic>
-        <p:nvPicPr>
-          <p:cNvPr id="6" name="Image 5">
-            <a:extLst>
-              <a:ext uri="{FF2B5EF4-FFF2-40B4-BE49-F238E27FC236}">
-                <a16:creationId xmlns:a16="http://schemas.microsoft.com/office/drawing/2014/main" id="{FA50DBD8-C720-51E0-4B25-6291B84210FC}"/>
-              </a:ext>
-            </a:extLst>
-          </p:cNvPr>
-          <p:cNvPicPr>
-            <a:picLocks noChangeAspect="1"/>
-          </p:cNvPicPr>
-          <p:nvPr/>
-        </p:nvPicPr>
-        <p:blipFill>
-          <a:blip r:embed="rId4"/>
           <a:stretch>
             <a:fillRect/>
           </a:stretch>
@@ -7157,20 +6586,13 @@
           <a:p>
             <a:r>
               <a:rPr lang="en-US" b="1" dirty="0"/>
-              <a:t>RTIP2R-2025</a:t>
-            </a:r>
-            <a:r>
-              <a:rPr lang="en-US" dirty="0"/>
-              <a:t> </a:t>
-            </a:r>
-            <a:r>
-              <a:rPr lang="en-US" b="1" dirty="0">
-                <a:solidFill>
-                  <a:srgbClr val="09298F"/>
-                </a:solidFill>
-              </a:rPr>
-              <a:t>@ENSA MARRAKECH MOROCCO</a:t>
-            </a:r>
+              <a:t>AISEC-2025 @ENSA MARRAKECH MOROCCO</a:t>
+            </a:r>
+            <a:endParaRPr lang="en-US" b="1" dirty="0">
+              <a:solidFill>
+                <a:srgbClr val="09298F"/>
+              </a:solidFill>
+            </a:endParaRPr>
           </a:p>
         </p:txBody>
       </p:sp>
@@ -7204,7 +6626,7 @@
           <a:p>
             <a:r>
               <a:rPr lang="en-IN" sz="1200" dirty="0"/>
-              <a:t>December 11-13, 2025</a:t>
+              <a:t>May 12-14, 2025</a:t>
             </a:r>
             <a:endParaRPr lang="en-US" sz="1200" dirty="0"/>
           </a:p>
@@ -7312,10 +6734,10 @@
       </p:sp>
       <p:pic>
         <p:nvPicPr>
-          <p:cNvPr id="5" name="Image 4">
-            <a:extLst>
-              <a:ext uri="{FF2B5EF4-FFF2-40B4-BE49-F238E27FC236}">
-                <a16:creationId xmlns:a16="http://schemas.microsoft.com/office/drawing/2014/main" id="{C16B22E8-1008-8858-2100-5014ACBD676A}"/>
+          <p:cNvPr id="8" name="Image 7">
+            <a:extLst>
+              <a:ext uri="{FF2B5EF4-FFF2-40B4-BE49-F238E27FC236}">
+                <a16:creationId xmlns:a16="http://schemas.microsoft.com/office/drawing/2014/main" id="{93326635-632E-AD66-9939-F74C9460CF5A}"/>
               </a:ext>
             </a:extLst>
           </p:cNvPr>
@@ -7326,14 +6748,13 @@
         </p:nvPicPr>
         <p:blipFill>
           <a:blip r:embed="rId2"/>
-          <a:stretch>
-            <a:fillRect/>
-          </a:stretch>
+          <a:srcRect l="4054" t="21941" r="4740" b="7700"/>
+          <a:stretch/>
         </p:blipFill>
         <p:spPr>
           <a:xfrm>
-            <a:off x="5347214" y="119063"/>
-            <a:ext cx="1497572" cy="1003300"/>
+            <a:off x="10019064" y="304123"/>
+            <a:ext cx="2172936" cy="699178"/>
           </a:xfrm>
           <a:prstGeom prst="rect">
             <a:avLst/>
@@ -7342,10 +6763,10 @@
       </p:pic>
       <p:pic>
         <p:nvPicPr>
-          <p:cNvPr id="8" name="Image 7">
-            <a:extLst>
-              <a:ext uri="{FF2B5EF4-FFF2-40B4-BE49-F238E27FC236}">
-                <a16:creationId xmlns:a16="http://schemas.microsoft.com/office/drawing/2014/main" id="{93326635-632E-AD66-9939-F74C9460CF5A}"/>
+          <p:cNvPr id="6" name="Image 5">
+            <a:extLst>
+              <a:ext uri="{FF2B5EF4-FFF2-40B4-BE49-F238E27FC236}">
+                <a16:creationId xmlns:a16="http://schemas.microsoft.com/office/drawing/2014/main" id="{7E64A744-B59B-4527-F94B-8397FBB110E4}"/>
               </a:ext>
             </a:extLst>
           </p:cNvPr>
@@ -7356,35 +6777,6 @@
         </p:nvPicPr>
         <p:blipFill>
           <a:blip r:embed="rId3"/>
-          <a:srcRect l="4054" t="21941" r="4740" b="7700"/>
-          <a:stretch/>
-        </p:blipFill>
-        <p:spPr>
-          <a:xfrm>
-            <a:off x="10019064" y="304123"/>
-            <a:ext cx="2172936" cy="699178"/>
-          </a:xfrm>
-          <a:prstGeom prst="rect">
-            <a:avLst/>
-          </a:prstGeom>
-        </p:spPr>
-      </p:pic>
-      <p:pic>
-        <p:nvPicPr>
-          <p:cNvPr id="6" name="Image 5">
-            <a:extLst>
-              <a:ext uri="{FF2B5EF4-FFF2-40B4-BE49-F238E27FC236}">
-                <a16:creationId xmlns:a16="http://schemas.microsoft.com/office/drawing/2014/main" id="{7E64A744-B59B-4527-F94B-8397FBB110E4}"/>
-              </a:ext>
-            </a:extLst>
-          </p:cNvPr>
-          <p:cNvPicPr>
-            <a:picLocks noChangeAspect="1"/>
-          </p:cNvPicPr>
-          <p:nvPr/>
-        </p:nvPicPr>
-        <p:blipFill>
-          <a:blip r:embed="rId4"/>
           <a:stretch>
             <a:fillRect/>
           </a:stretch>
@@ -7427,20 +6819,13 @@
           <a:p>
             <a:r>
               <a:rPr lang="en-US" b="1" dirty="0"/>
-              <a:t>RTIP2R-2025</a:t>
-            </a:r>
-            <a:r>
-              <a:rPr lang="en-US" dirty="0"/>
-              <a:t> </a:t>
-            </a:r>
-            <a:r>
-              <a:rPr lang="en-US" b="1" dirty="0">
-                <a:solidFill>
-                  <a:srgbClr val="09298F"/>
-                </a:solidFill>
-              </a:rPr>
-              <a:t>@ENSA MARRAKECH MOROCCO</a:t>
-            </a:r>
+              <a:t>AISEC-2025 @ENSA MARRAKECH MOROCCO</a:t>
+            </a:r>
+            <a:endParaRPr lang="en-US" b="1" dirty="0">
+              <a:solidFill>
+                <a:srgbClr val="09298F"/>
+              </a:solidFill>
+            </a:endParaRPr>
           </a:p>
         </p:txBody>
       </p:sp>
@@ -7474,7 +6859,7 @@
           <a:p>
             <a:r>
               <a:rPr lang="en-IN" sz="1200" dirty="0"/>
-              <a:t>December 11-13, 2025</a:t>
+              <a:t>May 12-14, 2025</a:t>
             </a:r>
             <a:endParaRPr lang="en-US" sz="1200" dirty="0"/>
           </a:p>
@@ -7582,10 +6967,10 @@
       </p:sp>
       <p:pic>
         <p:nvPicPr>
-          <p:cNvPr id="5" name="Image 4">
-            <a:extLst>
-              <a:ext uri="{FF2B5EF4-FFF2-40B4-BE49-F238E27FC236}">
-                <a16:creationId xmlns:a16="http://schemas.microsoft.com/office/drawing/2014/main" id="{5C3A800D-A8CB-039E-3499-AEF496E6FC0C}"/>
+          <p:cNvPr id="8" name="Image 7">
+            <a:extLst>
+              <a:ext uri="{FF2B5EF4-FFF2-40B4-BE49-F238E27FC236}">
+                <a16:creationId xmlns:a16="http://schemas.microsoft.com/office/drawing/2014/main" id="{87B20126-4BC7-174F-D785-0A021E346010}"/>
               </a:ext>
             </a:extLst>
           </p:cNvPr>
@@ -7596,14 +6981,13 @@
         </p:nvPicPr>
         <p:blipFill>
           <a:blip r:embed="rId2"/>
-          <a:stretch>
-            <a:fillRect/>
-          </a:stretch>
+          <a:srcRect l="4054" t="21941" r="4740" b="7700"/>
+          <a:stretch/>
         </p:blipFill>
         <p:spPr>
           <a:xfrm>
-            <a:off x="5347214" y="119063"/>
-            <a:ext cx="1497572" cy="1003300"/>
+            <a:off x="10019064" y="304123"/>
+            <a:ext cx="2172936" cy="699178"/>
           </a:xfrm>
           <a:prstGeom prst="rect">
             <a:avLst/>
@@ -7612,10 +6996,10 @@
       </p:pic>
       <p:pic>
         <p:nvPicPr>
-          <p:cNvPr id="8" name="Image 7">
-            <a:extLst>
-              <a:ext uri="{FF2B5EF4-FFF2-40B4-BE49-F238E27FC236}">
-                <a16:creationId xmlns:a16="http://schemas.microsoft.com/office/drawing/2014/main" id="{87B20126-4BC7-174F-D785-0A021E346010}"/>
+          <p:cNvPr id="6" name="Image 5">
+            <a:extLst>
+              <a:ext uri="{FF2B5EF4-FFF2-40B4-BE49-F238E27FC236}">
+                <a16:creationId xmlns:a16="http://schemas.microsoft.com/office/drawing/2014/main" id="{CA024334-F387-B399-64DA-0D074D19E564}"/>
               </a:ext>
             </a:extLst>
           </p:cNvPr>
@@ -7626,35 +7010,6 @@
         </p:nvPicPr>
         <p:blipFill>
           <a:blip r:embed="rId3"/>
-          <a:srcRect l="4054" t="21941" r="4740" b="7700"/>
-          <a:stretch/>
-        </p:blipFill>
-        <p:spPr>
-          <a:xfrm>
-            <a:off x="10019064" y="304123"/>
-            <a:ext cx="2172936" cy="699178"/>
-          </a:xfrm>
-          <a:prstGeom prst="rect">
-            <a:avLst/>
-          </a:prstGeom>
-        </p:spPr>
-      </p:pic>
-      <p:pic>
-        <p:nvPicPr>
-          <p:cNvPr id="6" name="Image 5">
-            <a:extLst>
-              <a:ext uri="{FF2B5EF4-FFF2-40B4-BE49-F238E27FC236}">
-                <a16:creationId xmlns:a16="http://schemas.microsoft.com/office/drawing/2014/main" id="{CA024334-F387-B399-64DA-0D074D19E564}"/>
-              </a:ext>
-            </a:extLst>
-          </p:cNvPr>
-          <p:cNvPicPr>
-            <a:picLocks noChangeAspect="1"/>
-          </p:cNvPicPr>
-          <p:nvPr/>
-        </p:nvPicPr>
-        <p:blipFill>
-          <a:blip r:embed="rId4"/>
           <a:stretch>
             <a:fillRect/>
           </a:stretch>
@@ -7697,20 +7052,13 @@
           <a:p>
             <a:r>
               <a:rPr lang="en-US" b="1" dirty="0"/>
-              <a:t>RTIP2R-2025</a:t>
-            </a:r>
-            <a:r>
-              <a:rPr lang="en-US" dirty="0"/>
-              <a:t> </a:t>
-            </a:r>
-            <a:r>
-              <a:rPr lang="en-US" b="1" dirty="0">
-                <a:solidFill>
-                  <a:srgbClr val="09298F"/>
-                </a:solidFill>
-              </a:rPr>
-              <a:t>@ENSA MARRAKECH MOROCCO</a:t>
-            </a:r>
+              <a:t>AISEC-2025 @ENSA MARRAKECH MOROCCO</a:t>
+            </a:r>
+            <a:endParaRPr lang="en-US" b="1" dirty="0">
+              <a:solidFill>
+                <a:srgbClr val="09298F"/>
+              </a:solidFill>
+            </a:endParaRPr>
           </a:p>
         </p:txBody>
       </p:sp>
@@ -7744,7 +7092,7 @@
           <a:p>
             <a:r>
               <a:rPr lang="en-IN" sz="1200" dirty="0"/>
-              <a:t>December 11-13, 2025</a:t>
+              <a:t>May 12-14, 2025</a:t>
             </a:r>
             <a:endParaRPr lang="en-US" sz="1200" dirty="0"/>
           </a:p>
